--- a/data/hangzhou_1x1_bc-tyc_18041607_1h/Figures.pptx
+++ b/data/hangzhou_1x1_bc-tyc_18041607_1h/Figures.pptx
@@ -7,6 +7,7 @@
   <p:sldIdLst>
     <p:sldId id="256" r:id="rId2"/>
     <p:sldId id="257" r:id="rId3"/>
+    <p:sldId id="258" r:id="rId4"/>
   </p:sldIdLst>
   <p:sldSz cx="12192000" cy="6858000"/>
   <p:notesSz cx="6858000" cy="9144000"/>
@@ -260,7 +261,7 @@
           <a:p>
             <a:fld id="{4A992155-1AE7-4D64-945D-A43F5E1D5CB9}" type="datetimeFigureOut">
               <a:rPr lang="en-US" smtClean="0"/>
-              <a:t>1/7/2023</a:t>
+              <a:t>1/13/2023</a:t>
             </a:fld>
             <a:endParaRPr lang="en-US"/>
           </a:p>
@@ -458,7 +459,7 @@
           <a:p>
             <a:fld id="{4A992155-1AE7-4D64-945D-A43F5E1D5CB9}" type="datetimeFigureOut">
               <a:rPr lang="en-US" smtClean="0"/>
-              <a:t>1/7/2023</a:t>
+              <a:t>1/13/2023</a:t>
             </a:fld>
             <a:endParaRPr lang="en-US"/>
           </a:p>
@@ -666,7 +667,7 @@
           <a:p>
             <a:fld id="{4A992155-1AE7-4D64-945D-A43F5E1D5CB9}" type="datetimeFigureOut">
               <a:rPr lang="en-US" smtClean="0"/>
-              <a:t>1/7/2023</a:t>
+              <a:t>1/13/2023</a:t>
             </a:fld>
             <a:endParaRPr lang="en-US"/>
           </a:p>
@@ -864,7 +865,7 @@
           <a:p>
             <a:fld id="{4A992155-1AE7-4D64-945D-A43F5E1D5CB9}" type="datetimeFigureOut">
               <a:rPr lang="en-US" smtClean="0"/>
-              <a:t>1/7/2023</a:t>
+              <a:t>1/13/2023</a:t>
             </a:fld>
             <a:endParaRPr lang="en-US"/>
           </a:p>
@@ -1139,7 +1140,7 @@
           <a:p>
             <a:fld id="{4A992155-1AE7-4D64-945D-A43F5E1D5CB9}" type="datetimeFigureOut">
               <a:rPr lang="en-US" smtClean="0"/>
-              <a:t>1/7/2023</a:t>
+              <a:t>1/13/2023</a:t>
             </a:fld>
             <a:endParaRPr lang="en-US"/>
           </a:p>
@@ -1404,7 +1405,7 @@
           <a:p>
             <a:fld id="{4A992155-1AE7-4D64-945D-A43F5E1D5CB9}" type="datetimeFigureOut">
               <a:rPr lang="en-US" smtClean="0"/>
-              <a:t>1/7/2023</a:t>
+              <a:t>1/13/2023</a:t>
             </a:fld>
             <a:endParaRPr lang="en-US"/>
           </a:p>
@@ -1816,7 +1817,7 @@
           <a:p>
             <a:fld id="{4A992155-1AE7-4D64-945D-A43F5E1D5CB9}" type="datetimeFigureOut">
               <a:rPr lang="en-US" smtClean="0"/>
-              <a:t>1/7/2023</a:t>
+              <a:t>1/13/2023</a:t>
             </a:fld>
             <a:endParaRPr lang="en-US"/>
           </a:p>
@@ -1957,7 +1958,7 @@
           <a:p>
             <a:fld id="{4A992155-1AE7-4D64-945D-A43F5E1D5CB9}" type="datetimeFigureOut">
               <a:rPr lang="en-US" smtClean="0"/>
-              <a:t>1/7/2023</a:t>
+              <a:t>1/13/2023</a:t>
             </a:fld>
             <a:endParaRPr lang="en-US"/>
           </a:p>
@@ -2070,7 +2071,7 @@
           <a:p>
             <a:fld id="{4A992155-1AE7-4D64-945D-A43F5E1D5CB9}" type="datetimeFigureOut">
               <a:rPr lang="en-US" smtClean="0"/>
-              <a:t>1/7/2023</a:t>
+              <a:t>1/13/2023</a:t>
             </a:fld>
             <a:endParaRPr lang="en-US"/>
           </a:p>
@@ -2381,7 +2382,7 @@
           <a:p>
             <a:fld id="{4A992155-1AE7-4D64-945D-A43F5E1D5CB9}" type="datetimeFigureOut">
               <a:rPr lang="en-US" smtClean="0"/>
-              <a:t>1/7/2023</a:t>
+              <a:t>1/13/2023</a:t>
             </a:fld>
             <a:endParaRPr lang="en-US"/>
           </a:p>
@@ -2669,7 +2670,7 @@
           <a:p>
             <a:fld id="{4A992155-1AE7-4D64-945D-A43F5E1D5CB9}" type="datetimeFigureOut">
               <a:rPr lang="en-US" smtClean="0"/>
-              <a:t>1/7/2023</a:t>
+              <a:t>1/13/2023</a:t>
             </a:fld>
             <a:endParaRPr lang="en-US"/>
           </a:p>
@@ -2910,7 +2911,7 @@
           <a:p>
             <a:fld id="{4A992155-1AE7-4D64-945D-A43F5E1D5CB9}" type="datetimeFigureOut">
               <a:rPr lang="en-US" smtClean="0"/>
-              <a:t>1/7/2023</a:t>
+              <a:t>1/13/2023</a:t>
             </a:fld>
             <a:endParaRPr lang="en-US"/>
           </a:p>
@@ -4802,10 +4803,497 @@
           </a:p>
         </p:txBody>
       </p:sp>
+      <p:sp>
+        <p:nvSpPr>
+          <p:cNvPr id="2" name="Arrow: Right 1">
+            <a:extLst>
+              <a:ext uri="{FF2B5EF4-FFF2-40B4-BE49-F238E27FC236}">
+                <a16:creationId xmlns:a16="http://schemas.microsoft.com/office/drawing/2014/main" id="{D124EBA5-3383-0AED-25E3-AE95DF3C67D6}"/>
+              </a:ext>
+            </a:extLst>
+          </p:cNvPr>
+          <p:cNvSpPr/>
+          <p:nvPr/>
+        </p:nvSpPr>
+        <p:spPr>
+          <a:xfrm rot="5400000">
+            <a:off x="5353621" y="1347893"/>
+            <a:ext cx="522379" cy="369332"/>
+          </a:xfrm>
+          <a:prstGeom prst="rightArrow">
+            <a:avLst/>
+          </a:prstGeom>
+        </p:spPr>
+        <p:style>
+          <a:lnRef idx="2">
+            <a:schemeClr val="accent1">
+              <a:shade val="50000"/>
+            </a:schemeClr>
+          </a:lnRef>
+          <a:fillRef idx="1">
+            <a:schemeClr val="accent1"/>
+          </a:fillRef>
+          <a:effectRef idx="0">
+            <a:schemeClr val="accent1"/>
+          </a:effectRef>
+          <a:fontRef idx="minor">
+            <a:schemeClr val="lt1"/>
+          </a:fontRef>
+        </p:style>
+        <p:txBody>
+          <a:bodyPr rtlCol="0" anchor="ctr"/>
+          <a:lstStyle/>
+          <a:p>
+            <a:pPr algn="ctr"/>
+            <a:endParaRPr lang="en-US"/>
+          </a:p>
+        </p:txBody>
+      </p:sp>
+      <p:sp>
+        <p:nvSpPr>
+          <p:cNvPr id="3" name="Arrow: Right 2">
+            <a:extLst>
+              <a:ext uri="{FF2B5EF4-FFF2-40B4-BE49-F238E27FC236}">
+                <a16:creationId xmlns:a16="http://schemas.microsoft.com/office/drawing/2014/main" id="{28A7B4BB-EAE0-A55B-FBAE-ED3BB9A52C77}"/>
+              </a:ext>
+            </a:extLst>
+          </p:cNvPr>
+          <p:cNvSpPr/>
+          <p:nvPr/>
+        </p:nvSpPr>
+        <p:spPr>
+          <a:xfrm rot="5400000">
+            <a:off x="5353620" y="4980516"/>
+            <a:ext cx="522379" cy="369332"/>
+          </a:xfrm>
+          <a:prstGeom prst="rightArrow">
+            <a:avLst/>
+          </a:prstGeom>
+        </p:spPr>
+        <p:style>
+          <a:lnRef idx="2">
+            <a:schemeClr val="accent1">
+              <a:shade val="50000"/>
+            </a:schemeClr>
+          </a:lnRef>
+          <a:fillRef idx="1">
+            <a:schemeClr val="accent1"/>
+          </a:fillRef>
+          <a:effectRef idx="0">
+            <a:schemeClr val="accent1"/>
+          </a:effectRef>
+          <a:fontRef idx="minor">
+            <a:schemeClr val="lt1"/>
+          </a:fontRef>
+        </p:style>
+        <p:txBody>
+          <a:bodyPr rtlCol="0" anchor="ctr"/>
+          <a:lstStyle/>
+          <a:p>
+            <a:pPr algn="ctr"/>
+            <a:endParaRPr lang="en-US"/>
+          </a:p>
+        </p:txBody>
+      </p:sp>
+      <p:sp>
+        <p:nvSpPr>
+          <p:cNvPr id="4" name="Arrow: Right 3">
+            <a:extLst>
+              <a:ext uri="{FF2B5EF4-FFF2-40B4-BE49-F238E27FC236}">
+                <a16:creationId xmlns:a16="http://schemas.microsoft.com/office/drawing/2014/main" id="{EFA7384D-71A8-FA0F-A77A-ACF4421CE76D}"/>
+              </a:ext>
+            </a:extLst>
+          </p:cNvPr>
+          <p:cNvSpPr/>
+          <p:nvPr/>
+        </p:nvSpPr>
+        <p:spPr>
+          <a:xfrm rot="16200000">
+            <a:off x="6135538" y="4980515"/>
+            <a:ext cx="522379" cy="369332"/>
+          </a:xfrm>
+          <a:prstGeom prst="rightArrow">
+            <a:avLst/>
+          </a:prstGeom>
+        </p:spPr>
+        <p:style>
+          <a:lnRef idx="2">
+            <a:schemeClr val="accent1">
+              <a:shade val="50000"/>
+            </a:schemeClr>
+          </a:lnRef>
+          <a:fillRef idx="1">
+            <a:schemeClr val="accent1"/>
+          </a:fillRef>
+          <a:effectRef idx="0">
+            <a:schemeClr val="accent1"/>
+          </a:effectRef>
+          <a:fontRef idx="minor">
+            <a:schemeClr val="lt1"/>
+          </a:fontRef>
+        </p:style>
+        <p:txBody>
+          <a:bodyPr rtlCol="0" anchor="ctr"/>
+          <a:lstStyle/>
+          <a:p>
+            <a:pPr algn="ctr"/>
+            <a:endParaRPr lang="en-US"/>
+          </a:p>
+        </p:txBody>
+      </p:sp>
     </p:spTree>
     <p:extLst>
       <p:ext uri="{BB962C8B-B14F-4D97-AF65-F5344CB8AC3E}">
         <p14:creationId xmlns:p14="http://schemas.microsoft.com/office/powerpoint/2010/main" val="4223840734"/>
+      </p:ext>
+    </p:extLst>
+  </p:cSld>
+  <p:clrMapOvr>
+    <a:masterClrMapping/>
+  </p:clrMapOvr>
+</p:sld>
+</file>
+
+<file path=ppt/slides/slide3.xml><?xml version="1.0" encoding="utf-8"?>
+<p:sld xmlns:a="http://schemas.openxmlformats.org/drawingml/2006/main" xmlns:r="http://schemas.openxmlformats.org/officeDocument/2006/relationships" xmlns:p="http://schemas.openxmlformats.org/presentationml/2006/main">
+  <p:cSld>
+    <p:spTree>
+      <p:nvGrpSpPr>
+        <p:cNvPr id="1" name=""/>
+        <p:cNvGrpSpPr/>
+        <p:nvPr/>
+      </p:nvGrpSpPr>
+      <p:grpSpPr>
+        <a:xfrm>
+          <a:off x="0" y="0"/>
+          <a:ext cx="0" cy="0"/>
+          <a:chOff x="0" y="0"/>
+          <a:chExt cx="0" cy="0"/>
+        </a:xfrm>
+      </p:grpSpPr>
+      <p:sp>
+        <p:nvSpPr>
+          <p:cNvPr id="5" name="Rectangle 4">
+            <a:extLst>
+              <a:ext uri="{FF2B5EF4-FFF2-40B4-BE49-F238E27FC236}">
+                <a16:creationId xmlns:a16="http://schemas.microsoft.com/office/drawing/2014/main" id="{6BC55FF7-985D-DC6E-C4A4-7BAF1DD07E6A}"/>
+              </a:ext>
+            </a:extLst>
+          </p:cNvPr>
+          <p:cNvSpPr/>
+          <p:nvPr/>
+        </p:nvSpPr>
+        <p:spPr>
+          <a:xfrm>
+            <a:off x="1828799" y="3797558"/>
+            <a:ext cx="3228392" cy="597159"/>
+          </a:xfrm>
+          <a:prstGeom prst="rect">
+            <a:avLst/>
+          </a:prstGeom>
+        </p:spPr>
+        <p:style>
+          <a:lnRef idx="2">
+            <a:schemeClr val="accent1">
+              <a:shade val="50000"/>
+            </a:schemeClr>
+          </a:lnRef>
+          <a:fillRef idx="1">
+            <a:schemeClr val="accent1"/>
+          </a:fillRef>
+          <a:effectRef idx="0">
+            <a:schemeClr val="accent1"/>
+          </a:effectRef>
+          <a:fontRef idx="minor">
+            <a:schemeClr val="lt1"/>
+          </a:fontRef>
+        </p:style>
+        <p:txBody>
+          <a:bodyPr rtlCol="0" anchor="ctr"/>
+          <a:lstStyle/>
+          <a:p>
+            <a:pPr algn="ctr"/>
+            <a:endParaRPr lang="en-US"/>
+          </a:p>
+        </p:txBody>
+      </p:sp>
+      <p:sp>
+        <p:nvSpPr>
+          <p:cNvPr id="7" name="Rectangle 6">
+            <a:extLst>
+              <a:ext uri="{FF2B5EF4-FFF2-40B4-BE49-F238E27FC236}">
+                <a16:creationId xmlns:a16="http://schemas.microsoft.com/office/drawing/2014/main" id="{C3876E59-D196-EC58-BD91-7A70BD257381}"/>
+              </a:ext>
+            </a:extLst>
+          </p:cNvPr>
+          <p:cNvSpPr/>
+          <p:nvPr/>
+        </p:nvSpPr>
+        <p:spPr>
+          <a:xfrm rot="5400000">
+            <a:off x="1828798" y="3865982"/>
+            <a:ext cx="3228392" cy="597159"/>
+          </a:xfrm>
+          <a:prstGeom prst="rect">
+            <a:avLst/>
+          </a:prstGeom>
+        </p:spPr>
+        <p:style>
+          <a:lnRef idx="2">
+            <a:schemeClr val="accent1">
+              <a:shade val="50000"/>
+            </a:schemeClr>
+          </a:lnRef>
+          <a:fillRef idx="1">
+            <a:schemeClr val="accent1"/>
+          </a:fillRef>
+          <a:effectRef idx="0">
+            <a:schemeClr val="accent1"/>
+          </a:effectRef>
+          <a:fontRef idx="minor">
+            <a:schemeClr val="lt1"/>
+          </a:fontRef>
+        </p:style>
+        <p:txBody>
+          <a:bodyPr rtlCol="0" anchor="ctr"/>
+          <a:lstStyle/>
+          <a:p>
+            <a:pPr algn="ctr"/>
+            <a:endParaRPr lang="en-US"/>
+          </a:p>
+        </p:txBody>
+      </p:sp>
+      <p:sp>
+        <p:nvSpPr>
+          <p:cNvPr id="8" name="Rectangle 7">
+            <a:extLst>
+              <a:ext uri="{FF2B5EF4-FFF2-40B4-BE49-F238E27FC236}">
+                <a16:creationId xmlns:a16="http://schemas.microsoft.com/office/drawing/2014/main" id="{03DE5DDD-5A0B-98A7-8B6F-9769F6BBC7B1}"/>
+              </a:ext>
+            </a:extLst>
+          </p:cNvPr>
+          <p:cNvSpPr/>
+          <p:nvPr/>
+        </p:nvSpPr>
+        <p:spPr>
+          <a:xfrm>
+            <a:off x="3228392" y="3452327"/>
+            <a:ext cx="149290" cy="195942"/>
+          </a:xfrm>
+          <a:prstGeom prst="rect">
+            <a:avLst/>
+          </a:prstGeom>
+        </p:spPr>
+        <p:style>
+          <a:lnRef idx="2">
+            <a:schemeClr val="accent4">
+              <a:shade val="50000"/>
+            </a:schemeClr>
+          </a:lnRef>
+          <a:fillRef idx="1">
+            <a:schemeClr val="accent4"/>
+          </a:fillRef>
+          <a:effectRef idx="0">
+            <a:schemeClr val="accent4"/>
+          </a:effectRef>
+          <a:fontRef idx="minor">
+            <a:schemeClr val="lt1"/>
+          </a:fontRef>
+        </p:style>
+        <p:txBody>
+          <a:bodyPr rtlCol="0" anchor="ctr"/>
+          <a:lstStyle/>
+          <a:p>
+            <a:pPr algn="ctr"/>
+            <a:endParaRPr lang="en-US"/>
+          </a:p>
+        </p:txBody>
+      </p:sp>
+      <p:sp>
+        <p:nvSpPr>
+          <p:cNvPr id="9" name="Rectangle 8">
+            <a:extLst>
+              <a:ext uri="{FF2B5EF4-FFF2-40B4-BE49-F238E27FC236}">
+                <a16:creationId xmlns:a16="http://schemas.microsoft.com/office/drawing/2014/main" id="{74E6CD53-8BA5-130E-FFF2-8C380B5AFF35}"/>
+              </a:ext>
+            </a:extLst>
+          </p:cNvPr>
+          <p:cNvSpPr/>
+          <p:nvPr/>
+        </p:nvSpPr>
+        <p:spPr>
+          <a:xfrm>
+            <a:off x="3228392" y="3180185"/>
+            <a:ext cx="149290" cy="195942"/>
+          </a:xfrm>
+          <a:prstGeom prst="rect">
+            <a:avLst/>
+          </a:prstGeom>
+        </p:spPr>
+        <p:style>
+          <a:lnRef idx="2">
+            <a:schemeClr val="accent4">
+              <a:shade val="50000"/>
+            </a:schemeClr>
+          </a:lnRef>
+          <a:fillRef idx="1">
+            <a:schemeClr val="accent4"/>
+          </a:fillRef>
+          <a:effectRef idx="0">
+            <a:schemeClr val="accent4"/>
+          </a:effectRef>
+          <a:fontRef idx="minor">
+            <a:schemeClr val="lt1"/>
+          </a:fontRef>
+        </p:style>
+        <p:txBody>
+          <a:bodyPr rtlCol="0" anchor="ctr"/>
+          <a:lstStyle/>
+          <a:p>
+            <a:pPr algn="ctr"/>
+            <a:endParaRPr lang="en-US"/>
+          </a:p>
+        </p:txBody>
+      </p:sp>
+      <p:sp>
+        <p:nvSpPr>
+          <p:cNvPr id="10" name="Rectangle 9">
+            <a:extLst>
+              <a:ext uri="{FF2B5EF4-FFF2-40B4-BE49-F238E27FC236}">
+                <a16:creationId xmlns:a16="http://schemas.microsoft.com/office/drawing/2014/main" id="{027A4751-8C03-3D5E-3B3A-F0CAA58A4F0D}"/>
+              </a:ext>
+            </a:extLst>
+          </p:cNvPr>
+          <p:cNvSpPr/>
+          <p:nvPr/>
+        </p:nvSpPr>
+        <p:spPr>
+          <a:xfrm>
+            <a:off x="1156996" y="1978090"/>
+            <a:ext cx="4655975" cy="4254759"/>
+          </a:xfrm>
+          <a:prstGeom prst="rect">
+            <a:avLst/>
+          </a:prstGeom>
+          <a:noFill/>
+        </p:spPr>
+        <p:style>
+          <a:lnRef idx="2">
+            <a:schemeClr val="accent1">
+              <a:shade val="50000"/>
+            </a:schemeClr>
+          </a:lnRef>
+          <a:fillRef idx="1">
+            <a:schemeClr val="accent1"/>
+          </a:fillRef>
+          <a:effectRef idx="0">
+            <a:schemeClr val="accent1"/>
+          </a:effectRef>
+          <a:fontRef idx="minor">
+            <a:schemeClr val="lt1"/>
+          </a:fontRef>
+        </p:style>
+        <p:txBody>
+          <a:bodyPr rtlCol="0" anchor="ctr"/>
+          <a:lstStyle/>
+          <a:p>
+            <a:pPr algn="ctr"/>
+            <a:endParaRPr lang="en-US" dirty="0"/>
+          </a:p>
+        </p:txBody>
+      </p:sp>
+      <p:cxnSp>
+        <p:nvCxnSpPr>
+          <p:cNvPr id="12" name="Straight Arrow Connector 11">
+            <a:extLst>
+              <a:ext uri="{FF2B5EF4-FFF2-40B4-BE49-F238E27FC236}">
+                <a16:creationId xmlns:a16="http://schemas.microsoft.com/office/drawing/2014/main" id="{2EF178DE-9A45-758A-B721-BC711C3C1556}"/>
+              </a:ext>
+            </a:extLst>
+          </p:cNvPr>
+          <p:cNvCxnSpPr/>
+          <p:nvPr/>
+        </p:nvCxnSpPr>
+        <p:spPr>
+          <a:xfrm flipV="1">
+            <a:off x="5812971" y="2090057"/>
+            <a:ext cx="578498" cy="251927"/>
+          </a:xfrm>
+          <a:prstGeom prst="straightConnector1">
+            <a:avLst/>
+          </a:prstGeom>
+          <a:ln>
+            <a:tailEnd type="triangle"/>
+          </a:ln>
+        </p:spPr>
+        <p:style>
+          <a:lnRef idx="1">
+            <a:schemeClr val="accent1"/>
+          </a:lnRef>
+          <a:fillRef idx="0">
+            <a:schemeClr val="accent1"/>
+          </a:fillRef>
+          <a:effectRef idx="0">
+            <a:schemeClr val="accent1"/>
+          </a:effectRef>
+          <a:fontRef idx="minor">
+            <a:schemeClr val="tx1"/>
+          </a:fontRef>
+        </p:style>
+      </p:cxnSp>
+      <p:sp>
+        <p:nvSpPr>
+          <p:cNvPr id="13" name="Rectangle: Rounded Corners 12">
+            <a:extLst>
+              <a:ext uri="{FF2B5EF4-FFF2-40B4-BE49-F238E27FC236}">
+                <a16:creationId xmlns:a16="http://schemas.microsoft.com/office/drawing/2014/main" id="{EE093E15-2051-994D-2BEC-0E2866245967}"/>
+              </a:ext>
+            </a:extLst>
+          </p:cNvPr>
+          <p:cNvSpPr/>
+          <p:nvPr/>
+        </p:nvSpPr>
+        <p:spPr>
+          <a:xfrm>
+            <a:off x="6452119" y="1884785"/>
+            <a:ext cx="1595534" cy="363894"/>
+          </a:xfrm>
+          <a:prstGeom prst="roundRect">
+            <a:avLst/>
+          </a:prstGeom>
+        </p:spPr>
+        <p:style>
+          <a:lnRef idx="2">
+            <a:schemeClr val="accent1">
+              <a:shade val="50000"/>
+            </a:schemeClr>
+          </a:lnRef>
+          <a:fillRef idx="1">
+            <a:schemeClr val="accent1"/>
+          </a:fillRef>
+          <a:effectRef idx="0">
+            <a:schemeClr val="accent1"/>
+          </a:effectRef>
+          <a:fontRef idx="minor">
+            <a:schemeClr val="lt1"/>
+          </a:fontRef>
+        </p:style>
+        <p:txBody>
+          <a:bodyPr rtlCol="0" anchor="ctr"/>
+          <a:lstStyle/>
+          <a:p>
+            <a:pPr algn="ctr"/>
+            <a:r>
+              <a:rPr lang="en-US" dirty="0"/>
+              <a:t>Queue length</a:t>
+            </a:r>
+          </a:p>
+        </p:txBody>
+      </p:sp>
+    </p:spTree>
+    <p:extLst>
+      <p:ext uri="{BB962C8B-B14F-4D97-AF65-F5344CB8AC3E}">
+        <p14:creationId xmlns:p14="http://schemas.microsoft.com/office/powerpoint/2010/main" val="2478797952"/>
       </p:ext>
     </p:extLst>
   </p:cSld>
